--- a/bullshit.pptx
+++ b/bullshit.pptx
@@ -5,13 +5,14 @@
     <p:sldMasterId id="2147483648" r:id="rId1"/>
   </p:sldMasterIdLst>
   <p:notesMasterIdLst>
-    <p:notesMasterId r:id="rId6"/>
+    <p:notesMasterId r:id="rId7"/>
   </p:notesMasterIdLst>
   <p:sldIdLst>
     <p:sldId id="267" r:id="rId2"/>
     <p:sldId id="272" r:id="rId3"/>
     <p:sldId id="273" r:id="rId4"/>
-    <p:sldId id="274" r:id="rId5"/>
+    <p:sldId id="275" r:id="rId5"/>
+    <p:sldId id="274" r:id="rId6"/>
   </p:sldIdLst>
   <p:sldSz cx="9144000" cy="6858000" type="screen4x3"/>
   <p:notesSz cx="6858000" cy="9144000"/>
@@ -5683,7 +5684,7 @@
         </p:nvSpPr>
         <p:spPr bwMode="auto">
           <a:xfrm rot="746517">
-            <a:off x="1610177" y="2170468"/>
+            <a:off x="1610177" y="886203"/>
             <a:ext cx="4521136" cy="2278328"/>
           </a:xfrm>
           <a:prstGeom prst="roundRect">
@@ -5879,8 +5880,240 @@
         </p:blipFill>
         <p:spPr bwMode="auto">
           <a:xfrm>
-            <a:off x="1156333" y="1606737"/>
+            <a:off x="1156333" y="322472"/>
             <a:ext cx="6065819" cy="3569381"/>
+          </a:xfrm>
+          <a:prstGeom prst="rect">
+            <a:avLst/>
+          </a:prstGeom>
+          <a:noFill/>
+          <a:ln>
+            <a:noFill/>
+          </a:ln>
+          <a:extLst>
+            <a:ext uri="{909E8E84-426E-40DD-AFC4-6F175D3DCCD1}">
+              <a14:hiddenFill xmlns:a14="http://schemas.microsoft.com/office/drawing/2010/main">
+                <a:solidFill>
+                  <a:srgbClr val="FFFFFF"/>
+                </a:solidFill>
+              </a14:hiddenFill>
+            </a:ext>
+            <a:ext uri="{91240B29-F687-4F45-9708-019B960494DF}">
+              <a14:hiddenLine xmlns:a14="http://schemas.microsoft.com/office/drawing/2010/main" w="12700">
+                <a:solidFill>
+                  <a:srgbClr val="000000"/>
+                </a:solidFill>
+                <a:miter lim="800000"/>
+                <a:headEnd/>
+                <a:tailEnd/>
+              </a14:hiddenLine>
+            </a:ext>
+          </a:extLst>
+        </p:spPr>
+      </p:pic>
+      <p:sp>
+        <p:nvSpPr>
+          <p:cNvPr id="6" name="AutoShape 7">
+            <a:extLst>
+              <a:ext uri="{FF2B5EF4-FFF2-40B4-BE49-F238E27FC236}">
+                <a16:creationId xmlns:a16="http://schemas.microsoft.com/office/drawing/2014/main" id="{ED2F85AC-95BC-3647-90C4-83ECB1A45BA6}"/>
+              </a:ext>
+            </a:extLst>
+          </p:cNvPr>
+          <p:cNvSpPr>
+            <a:spLocks noChangeArrowheads="1"/>
+          </p:cNvSpPr>
+          <p:nvPr/>
+        </p:nvSpPr>
+        <p:spPr bwMode="auto">
+          <a:xfrm>
+            <a:off x="842482" y="4397338"/>
+            <a:ext cx="6172692" cy="1619351"/>
+          </a:xfrm>
+          <a:prstGeom prst="roundRect">
+            <a:avLst>
+              <a:gd name="adj" fmla="val 16667"/>
+            </a:avLst>
+          </a:prstGeom>
+          <a:noFill/>
+          <a:ln w="152400">
+            <a:noFill/>
+            <a:round/>
+            <a:headEnd/>
+            <a:tailEnd/>
+          </a:ln>
+          <a:effectLst/>
+          <a:extLst>
+            <a:ext uri="{909E8E84-426E-40DD-AFC4-6F175D3DCCD1}">
+              <a14:hiddenFill xmlns:a14="http://schemas.microsoft.com/office/drawing/2010/main">
+                <a:solidFill>
+                  <a:schemeClr val="accent1"/>
+                </a:solidFill>
+              </a14:hiddenFill>
+            </a:ext>
+            <a:ext uri="{AF507438-7753-43E0-B8FC-AC1667EBCBE1}">
+              <a14:hiddenEffects xmlns:a14="http://schemas.microsoft.com/office/drawing/2010/main">
+                <a:effectLst>
+                  <a:outerShdw dist="35921" dir="2700000" algn="ctr" rotWithShape="0">
+                    <a:schemeClr val="bg2"/>
+                  </a:outerShdw>
+                </a:effectLst>
+              </a14:hiddenEffects>
+            </a:ext>
+          </a:extLst>
+        </p:spPr>
+        <p:txBody>
+          <a:bodyPr wrap="none" anchor="ctr"/>
+          <a:lstStyle>
+            <a:lvl1pPr>
+              <a:defRPr>
+                <a:solidFill>
+                  <a:schemeClr val="tx1"/>
+                </a:solidFill>
+                <a:latin typeface="Arial" panose="020B0604020202020204" pitchFamily="34" charset="0"/>
+              </a:defRPr>
+            </a:lvl1pPr>
+            <a:lvl2pPr marL="742950" indent="-285750">
+              <a:defRPr>
+                <a:solidFill>
+                  <a:schemeClr val="tx1"/>
+                </a:solidFill>
+                <a:latin typeface="Arial" panose="020B0604020202020204" pitchFamily="34" charset="0"/>
+              </a:defRPr>
+            </a:lvl2pPr>
+            <a:lvl3pPr marL="1143000" indent="-228600">
+              <a:defRPr>
+                <a:solidFill>
+                  <a:schemeClr val="tx1"/>
+                </a:solidFill>
+                <a:latin typeface="Arial" panose="020B0604020202020204" pitchFamily="34" charset="0"/>
+              </a:defRPr>
+            </a:lvl3pPr>
+            <a:lvl4pPr marL="1600200" indent="-228600">
+              <a:defRPr>
+                <a:solidFill>
+                  <a:schemeClr val="tx1"/>
+                </a:solidFill>
+                <a:latin typeface="Arial" panose="020B0604020202020204" pitchFamily="34" charset="0"/>
+              </a:defRPr>
+            </a:lvl4pPr>
+            <a:lvl5pPr marL="2057400" indent="-228600">
+              <a:defRPr>
+                <a:solidFill>
+                  <a:schemeClr val="tx1"/>
+                </a:solidFill>
+                <a:latin typeface="Arial" panose="020B0604020202020204" pitchFamily="34" charset="0"/>
+              </a:defRPr>
+            </a:lvl5pPr>
+            <a:lvl6pPr marL="2514600" indent="-228600" eaLnBrk="0" fontAlgn="base" hangingPunct="0">
+              <a:spcBef>
+                <a:spcPct val="0"/>
+              </a:spcBef>
+              <a:spcAft>
+                <a:spcPct val="0"/>
+              </a:spcAft>
+              <a:defRPr>
+                <a:solidFill>
+                  <a:schemeClr val="tx1"/>
+                </a:solidFill>
+                <a:latin typeface="Arial" panose="020B0604020202020204" pitchFamily="34" charset="0"/>
+              </a:defRPr>
+            </a:lvl6pPr>
+            <a:lvl7pPr marL="2971800" indent="-228600" eaLnBrk="0" fontAlgn="base" hangingPunct="0">
+              <a:spcBef>
+                <a:spcPct val="0"/>
+              </a:spcBef>
+              <a:spcAft>
+                <a:spcPct val="0"/>
+              </a:spcAft>
+              <a:defRPr>
+                <a:solidFill>
+                  <a:schemeClr val="tx1"/>
+                </a:solidFill>
+                <a:latin typeface="Arial" panose="020B0604020202020204" pitchFamily="34" charset="0"/>
+              </a:defRPr>
+            </a:lvl7pPr>
+            <a:lvl8pPr marL="3429000" indent="-228600" eaLnBrk="0" fontAlgn="base" hangingPunct="0">
+              <a:spcBef>
+                <a:spcPct val="0"/>
+              </a:spcBef>
+              <a:spcAft>
+                <a:spcPct val="0"/>
+              </a:spcAft>
+              <a:defRPr>
+                <a:solidFill>
+                  <a:schemeClr val="tx1"/>
+                </a:solidFill>
+                <a:latin typeface="Arial" panose="020B0604020202020204" pitchFamily="34" charset="0"/>
+              </a:defRPr>
+            </a:lvl8pPr>
+            <a:lvl9pPr marL="3886200" indent="-228600" eaLnBrk="0" fontAlgn="base" hangingPunct="0">
+              <a:spcBef>
+                <a:spcPct val="0"/>
+              </a:spcBef>
+              <a:spcAft>
+                <a:spcPct val="0"/>
+              </a:spcAft>
+              <a:defRPr>
+                <a:solidFill>
+                  <a:schemeClr val="tx1"/>
+                </a:solidFill>
+                <a:latin typeface="Arial" panose="020B0604020202020204" pitchFamily="34" charset="0"/>
+              </a:defRPr>
+            </a:lvl9pPr>
+          </a:lstStyle>
+          <a:p>
+            <a:pPr algn="ctr" eaLnBrk="1" hangingPunct="1"/>
+            <a:r>
+              <a:rPr lang="en-GB" sz="8800" b="1" dirty="0">
+                <a:solidFill>
+                  <a:srgbClr val="FF7E79"/>
+                </a:solidFill>
+                <a:latin typeface="Britannic Bold" panose="020B0903060703020204" pitchFamily="34" charset="77"/>
+                <a:ea typeface="Calibri" panose="020F0502020204030204" pitchFamily="34" charset="0"/>
+                <a:cs typeface="Times New Roman" panose="02020603050405020304" pitchFamily="18" charset="0"/>
+              </a:rPr>
+              <a:t>True ?</a:t>
+            </a:r>
+            <a:endParaRPr lang="es-ES" sz="5400" dirty="0">
+              <a:latin typeface="Calibri" panose="020F0502020204030204" pitchFamily="34" charset="0"/>
+              <a:ea typeface="Calibri" panose="020F0502020204030204" pitchFamily="34" charset="0"/>
+              <a:cs typeface="Times New Roman" panose="02020603050405020304" pitchFamily="18" charset="0"/>
+            </a:endParaRPr>
+          </a:p>
+        </p:txBody>
+      </p:sp>
+      <p:pic>
+        <p:nvPicPr>
+          <p:cNvPr id="7" name="Picture 5" descr="stamp-effects3">
+            <a:extLst>
+              <a:ext uri="{FF2B5EF4-FFF2-40B4-BE49-F238E27FC236}">
+                <a16:creationId xmlns:a16="http://schemas.microsoft.com/office/drawing/2014/main" id="{0FCE5089-F1C6-D845-8FEB-95AEA427FE91}"/>
+              </a:ext>
+            </a:extLst>
+          </p:cNvPr>
+          <p:cNvPicPr>
+            <a:picLocks noChangeAspect="1" noChangeArrowheads="1"/>
+          </p:cNvPicPr>
+          <p:nvPr/>
+        </p:nvPicPr>
+        <p:blipFill>
+          <a:blip r:embed="rId3">
+            <a:extLst>
+              <a:ext uri="{28A0092B-C50C-407E-A947-70E740481C1C}">
+                <a14:useLocalDpi xmlns:a14="http://schemas.microsoft.com/office/drawing/2010/main" val="0"/>
+              </a:ext>
+            </a:extLst>
+          </a:blip>
+          <a:srcRect/>
+          <a:stretch>
+            <a:fillRect/>
+          </a:stretch>
+        </p:blipFill>
+        <p:spPr bwMode="auto">
+          <a:xfrm>
+            <a:off x="150767" y="2785185"/>
+            <a:ext cx="7132805" cy="3569381"/>
           </a:xfrm>
           <a:prstGeom prst="rect">
             <a:avLst/>
@@ -5924,6 +6157,152 @@
 </file>
 
 <file path=ppt/slides/slide4.xml><?xml version="1.0" encoding="utf-8"?>
+<p:sld xmlns:a="http://schemas.openxmlformats.org/drawingml/2006/main" xmlns:r="http://schemas.openxmlformats.org/officeDocument/2006/relationships" xmlns:p="http://schemas.openxmlformats.org/presentationml/2006/main">
+  <p:cSld>
+    <p:spTree>
+      <p:nvGrpSpPr>
+        <p:cNvPr id="1" name=""/>
+        <p:cNvGrpSpPr/>
+        <p:nvPr/>
+      </p:nvGrpSpPr>
+      <p:grpSpPr>
+        <a:xfrm>
+          <a:off x="0" y="0"/>
+          <a:ext cx="0" cy="0"/>
+          <a:chOff x="0" y="0"/>
+          <a:chExt cx="0" cy="0"/>
+        </a:xfrm>
+      </p:grpSpPr>
+      <p:sp>
+        <p:nvSpPr>
+          <p:cNvPr id="2" name="Rectangular Callout 1">
+            <a:extLst>
+              <a:ext uri="{FF2B5EF4-FFF2-40B4-BE49-F238E27FC236}">
+                <a16:creationId xmlns:a16="http://schemas.microsoft.com/office/drawing/2014/main" id="{1BCEE64D-DC3C-684B-8570-BF496EC8817B}"/>
+              </a:ext>
+            </a:extLst>
+          </p:cNvPr>
+          <p:cNvSpPr/>
+          <p:nvPr/>
+        </p:nvSpPr>
+        <p:spPr>
+          <a:xfrm>
+            <a:off x="2280864" y="3164440"/>
+            <a:ext cx="2239766" cy="698643"/>
+          </a:xfrm>
+          <a:prstGeom prst="wedgeRectCallout">
+            <a:avLst>
+              <a:gd name="adj1" fmla="val -30304"/>
+              <a:gd name="adj2" fmla="val 101262"/>
+            </a:avLst>
+          </a:prstGeom>
+          <a:solidFill>
+            <a:srgbClr val="FF746A"/>
+          </a:solidFill>
+          <a:ln>
+            <a:noFill/>
+          </a:ln>
+        </p:spPr>
+        <p:style>
+          <a:lnRef idx="2">
+            <a:schemeClr val="accent1">
+              <a:shade val="50000"/>
+            </a:schemeClr>
+          </a:lnRef>
+          <a:fillRef idx="1">
+            <a:schemeClr val="accent1"/>
+          </a:fillRef>
+          <a:effectRef idx="0">
+            <a:schemeClr val="accent1"/>
+          </a:effectRef>
+          <a:fontRef idx="minor">
+            <a:schemeClr val="lt1"/>
+          </a:fontRef>
+        </p:style>
+        <p:txBody>
+          <a:bodyPr rtlCol="0" anchor="ctr"/>
+          <a:lstStyle/>
+          <a:p>
+            <a:pPr algn="ctr"/>
+            <a:r>
+              <a:rPr lang="en-US" dirty="0"/>
+              <a:t>Touch the button on this side for True</a:t>
+            </a:r>
+          </a:p>
+        </p:txBody>
+      </p:sp>
+      <p:sp>
+        <p:nvSpPr>
+          <p:cNvPr id="3" name="Rectangular Callout 2">
+            <a:extLst>
+              <a:ext uri="{FF2B5EF4-FFF2-40B4-BE49-F238E27FC236}">
+                <a16:creationId xmlns:a16="http://schemas.microsoft.com/office/drawing/2014/main" id="{A1C24946-39A5-2446-ACE8-6B6C0299FDDA}"/>
+              </a:ext>
+            </a:extLst>
+          </p:cNvPr>
+          <p:cNvSpPr/>
+          <p:nvPr/>
+        </p:nvSpPr>
+        <p:spPr>
+          <a:xfrm flipH="1">
+            <a:off x="4929881" y="3164440"/>
+            <a:ext cx="1953803" cy="698643"/>
+          </a:xfrm>
+          <a:prstGeom prst="wedgeRectCallout">
+            <a:avLst>
+              <a:gd name="adj1" fmla="val -31734"/>
+              <a:gd name="adj2" fmla="val 100237"/>
+            </a:avLst>
+          </a:prstGeom>
+          <a:solidFill>
+            <a:srgbClr val="FF746A"/>
+          </a:solidFill>
+          <a:ln>
+            <a:noFill/>
+          </a:ln>
+        </p:spPr>
+        <p:style>
+          <a:lnRef idx="2">
+            <a:schemeClr val="accent1">
+              <a:shade val="50000"/>
+            </a:schemeClr>
+          </a:lnRef>
+          <a:fillRef idx="1">
+            <a:schemeClr val="accent1"/>
+          </a:fillRef>
+          <a:effectRef idx="0">
+            <a:schemeClr val="accent1"/>
+          </a:effectRef>
+          <a:fontRef idx="minor">
+            <a:schemeClr val="lt1"/>
+          </a:fontRef>
+        </p:style>
+        <p:txBody>
+          <a:bodyPr rtlCol="0" anchor="ctr"/>
+          <a:lstStyle/>
+          <a:p>
+            <a:pPr algn="ctr"/>
+            <a:r>
+              <a:rPr lang="en-US" dirty="0"/>
+              <a:t>Bullshit: press the button on this side</a:t>
+            </a:r>
+          </a:p>
+        </p:txBody>
+      </p:sp>
+    </p:spTree>
+    <p:extLst>
+      <p:ext uri="{BB962C8B-B14F-4D97-AF65-F5344CB8AC3E}">
+        <p14:creationId xmlns:p14="http://schemas.microsoft.com/office/powerpoint/2010/main" val="1413099831"/>
+      </p:ext>
+    </p:extLst>
+  </p:cSld>
+  <p:clrMapOvr>
+    <a:masterClrMapping/>
+  </p:clrMapOvr>
+</p:sld>
+</file>
+
+<file path=ppt/slides/slide5.xml><?xml version="1.0" encoding="utf-8"?>
 <p:sld xmlns:a="http://schemas.openxmlformats.org/drawingml/2006/main" xmlns:r="http://schemas.openxmlformats.org/officeDocument/2006/relationships" xmlns:p="http://schemas.openxmlformats.org/presentationml/2006/main">
   <p:cSld>
     <p:spTree>
